--- a/1-入门篇/2-如何安装KEIL5/如何安装KEIL5.pptx
+++ b/1-入门篇/2-如何安装KEIL5/如何安装KEIL5.pptx
@@ -163,10 +163,6 @@
     </p:ext>
   </p:extLst>
 </p:presentation>
-</file>
-
-<file path=ppt/revisionInfo.xml><?xml version="1.0" encoding="utf-8"?>
-<p1510:revInfo xmlns:a="http://schemas.openxmlformats.org/drawingml/2006/main" xmlns:r="http://schemas.openxmlformats.org/officeDocument/2006/relationships" xmlns:p1510="http://schemas.microsoft.com/office/powerpoint/2015/10/main"/>
 </file>
 
 <file path=ppt/slideLayouts/slideLayout1.xml><?xml version="1.0" encoding="utf-8"?>
@@ -2439,7 +2435,7 @@
       </p:grpSpPr>
       <p:pic>
         <p:nvPicPr>
-          <p:cNvPr id="2050" name="图片 3"/>
+          <p:cNvPr id="2050" name="图片 3" descr="1123PPT标题框-11"/>
           <p:cNvPicPr>
             <a:picLocks noChangeAspect="1" noChangeArrowheads="1"/>
           </p:cNvPicPr>
@@ -2453,14 +2449,15 @@
               </a:ext>
             </a:extLst>
           </a:blip>
+          <a:srcRect/>
           <a:stretch>
             <a:fillRect/>
           </a:stretch>
         </p:blipFill>
         <p:spPr bwMode="auto">
           <a:xfrm>
-            <a:off x="0" y="-9433"/>
-            <a:ext cx="9129713" cy="1053916"/>
+            <a:off x="0" y="-9525"/>
+            <a:ext cx="9129713" cy="1054100"/>
           </a:xfrm>
           <a:prstGeom prst="rect">
             <a:avLst/>
@@ -4805,7 +4802,7 @@
                   <a:ea typeface="微软雅黑" pitchFamily="34" charset="-122"/>
                   <a:cs typeface="宋体" pitchFamily="2" charset="-122"/>
                 </a:rPr>
-                <a:t>firestm32.taobao.com</a:t>
+                <a:t>fires-tm32.taobao.com</a:t>
               </a:r>
             </a:p>
           </p:txBody>
@@ -5062,6 +5059,210 @@
           </p:txBody>
         </p:sp>
       </p:grpSp>
+      <p:pic>
+        <p:nvPicPr>
+          <p:cNvPr id="34" name="Picture 2" descr="C:\Users\Administrator\Desktop\taobao.png"/>
+          <p:cNvPicPr>
+            <a:picLocks noChangeAspect="1" noChangeArrowheads="1"/>
+          </p:cNvPicPr>
+          <p:nvPr/>
+        </p:nvPicPr>
+        <p:blipFill>
+          <a:blip r:embed="rId11" cstate="print">
+            <a:extLst>
+              <a:ext uri="{28A0092B-C50C-407E-A947-70E740481C1C}">
+                <a14:useLocalDpi xmlns:a14="http://schemas.microsoft.com/office/drawing/2010/main" val="0"/>
+              </a:ext>
+            </a:extLst>
+          </a:blip>
+          <a:srcRect/>
+          <a:stretch>
+            <a:fillRect/>
+          </a:stretch>
+        </p:blipFill>
+        <p:spPr bwMode="auto">
+          <a:xfrm>
+            <a:off x="6958013" y="4537670"/>
+            <a:ext cx="1038186" cy="1038186"/>
+          </a:xfrm>
+          <a:prstGeom prst="rect">
+            <a:avLst/>
+          </a:prstGeom>
+          <a:noFill/>
+          <a:extLst>
+            <a:ext uri="{909E8E84-426E-40DD-AFC4-6F175D3DCCD1}">
+              <a14:hiddenFill xmlns:a14="http://schemas.microsoft.com/office/drawing/2010/main">
+                <a:solidFill>
+                  <a:srgbClr val="FFFFFF"/>
+                </a:solidFill>
+              </a14:hiddenFill>
+            </a:ext>
+          </a:extLst>
+        </p:spPr>
+      </p:pic>
+      <p:sp>
+        <p:nvSpPr>
+          <p:cNvPr id="35" name="文本框 3"/>
+          <p:cNvSpPr txBox="1">
+            <a:spLocks noChangeArrowheads="1"/>
+          </p:cNvSpPr>
+          <p:nvPr/>
+        </p:nvSpPr>
+        <p:spPr bwMode="auto">
+          <a:xfrm>
+            <a:off x="6765938" y="5661248"/>
+            <a:ext cx="1406462" cy="276999"/>
+          </a:xfrm>
+          <a:prstGeom prst="rect">
+            <a:avLst/>
+          </a:prstGeom>
+          <a:noFill/>
+          <a:ln w="9525">
+            <a:noFill/>
+            <a:miter lim="800000"/>
+            <a:headEnd/>
+            <a:tailEnd/>
+          </a:ln>
+          <a:extLst>
+            <a:ext uri="{909E8E84-426E-40DD-AFC4-6F175D3DCCD1}">
+              <a14:hiddenFill xmlns:a14="http://schemas.microsoft.com/office/drawing/2010/main">
+                <a:solidFill>
+                  <a:srgbClr val="FFFFFF"/>
+                </a:solidFill>
+              </a14:hiddenFill>
+            </a:ext>
+          </a:extLst>
+        </p:spPr>
+        <p:txBody>
+          <a:bodyPr wrap="square">
+            <a:spAutoFit/>
+          </a:bodyPr>
+          <a:lstStyle>
+            <a:lvl1pPr eaLnBrk="0" hangingPunct="0">
+              <a:defRPr>
+                <a:solidFill>
+                  <a:schemeClr val="tx1"/>
+                </a:solidFill>
+                <a:latin typeface="Arial" charset="0"/>
+                <a:ea typeface="宋体" pitchFamily="2" charset="-122"/>
+              </a:defRPr>
+            </a:lvl1pPr>
+            <a:lvl2pPr marL="742950" indent="-285750" eaLnBrk="0" hangingPunct="0">
+              <a:defRPr>
+                <a:solidFill>
+                  <a:schemeClr val="tx1"/>
+                </a:solidFill>
+                <a:latin typeface="Arial" charset="0"/>
+                <a:ea typeface="宋体" pitchFamily="2" charset="-122"/>
+              </a:defRPr>
+            </a:lvl2pPr>
+            <a:lvl3pPr marL="1143000" indent="-228600" eaLnBrk="0" hangingPunct="0">
+              <a:defRPr>
+                <a:solidFill>
+                  <a:schemeClr val="tx1"/>
+                </a:solidFill>
+                <a:latin typeface="Arial" charset="0"/>
+                <a:ea typeface="宋体" pitchFamily="2" charset="-122"/>
+              </a:defRPr>
+            </a:lvl3pPr>
+            <a:lvl4pPr marL="1600200" indent="-228600" eaLnBrk="0" hangingPunct="0">
+              <a:defRPr>
+                <a:solidFill>
+                  <a:schemeClr val="tx1"/>
+                </a:solidFill>
+                <a:latin typeface="Arial" charset="0"/>
+                <a:ea typeface="宋体" pitchFamily="2" charset="-122"/>
+              </a:defRPr>
+            </a:lvl4pPr>
+            <a:lvl5pPr marL="2057400" indent="-228600" eaLnBrk="0" hangingPunct="0">
+              <a:defRPr>
+                <a:solidFill>
+                  <a:schemeClr val="tx1"/>
+                </a:solidFill>
+                <a:latin typeface="Arial" charset="0"/>
+                <a:ea typeface="宋体" pitchFamily="2" charset="-122"/>
+              </a:defRPr>
+            </a:lvl5pPr>
+            <a:lvl6pPr marL="2514600" indent="-228600" eaLnBrk="0" fontAlgn="base" hangingPunct="0">
+              <a:spcBef>
+                <a:spcPct val="0"/>
+              </a:spcBef>
+              <a:spcAft>
+                <a:spcPct val="0"/>
+              </a:spcAft>
+              <a:buFont typeface="Arial" charset="0"/>
+              <a:defRPr>
+                <a:solidFill>
+                  <a:schemeClr val="tx1"/>
+                </a:solidFill>
+                <a:latin typeface="Arial" charset="0"/>
+                <a:ea typeface="宋体" pitchFamily="2" charset="-122"/>
+              </a:defRPr>
+            </a:lvl6pPr>
+            <a:lvl7pPr marL="2971800" indent="-228600" eaLnBrk="0" fontAlgn="base" hangingPunct="0">
+              <a:spcBef>
+                <a:spcPct val="0"/>
+              </a:spcBef>
+              <a:spcAft>
+                <a:spcPct val="0"/>
+              </a:spcAft>
+              <a:buFont typeface="Arial" charset="0"/>
+              <a:defRPr>
+                <a:solidFill>
+                  <a:schemeClr val="tx1"/>
+                </a:solidFill>
+                <a:latin typeface="Arial" charset="0"/>
+                <a:ea typeface="宋体" pitchFamily="2" charset="-122"/>
+              </a:defRPr>
+            </a:lvl7pPr>
+            <a:lvl8pPr marL="3429000" indent="-228600" eaLnBrk="0" fontAlgn="base" hangingPunct="0">
+              <a:spcBef>
+                <a:spcPct val="0"/>
+              </a:spcBef>
+              <a:spcAft>
+                <a:spcPct val="0"/>
+              </a:spcAft>
+              <a:buFont typeface="Arial" charset="0"/>
+              <a:defRPr>
+                <a:solidFill>
+                  <a:schemeClr val="tx1"/>
+                </a:solidFill>
+                <a:latin typeface="Arial" charset="0"/>
+                <a:ea typeface="宋体" pitchFamily="2" charset="-122"/>
+              </a:defRPr>
+            </a:lvl8pPr>
+            <a:lvl9pPr marL="3886200" indent="-228600" eaLnBrk="0" fontAlgn="base" hangingPunct="0">
+              <a:spcBef>
+                <a:spcPct val="0"/>
+              </a:spcBef>
+              <a:spcAft>
+                <a:spcPct val="0"/>
+              </a:spcAft>
+              <a:buFont typeface="Arial" charset="0"/>
+              <a:defRPr>
+                <a:solidFill>
+                  <a:schemeClr val="tx1"/>
+                </a:solidFill>
+                <a:latin typeface="Arial" charset="0"/>
+                <a:ea typeface="宋体" pitchFamily="2" charset="-122"/>
+              </a:defRPr>
+            </a:lvl9pPr>
+          </a:lstStyle>
+          <a:p>
+            <a:r>
+              <a:rPr lang="zh-CN" altLang="en-US" sz="1200" b="1" dirty="0">
+                <a:latin typeface="微软雅黑" pitchFamily="34" charset="-122"/>
+                <a:ea typeface="微软雅黑" pitchFamily="34" charset="-122"/>
+              </a:rPr>
+              <a:t>扫描进入淘宝店铺</a:t>
+            </a:r>
+            <a:endParaRPr lang="zh-CN" altLang="zh-CN" sz="1200" b="1" dirty="0">
+              <a:latin typeface="微软雅黑" pitchFamily="34" charset="-122"/>
+              <a:ea typeface="微软雅黑" pitchFamily="34" charset="-122"/>
+            </a:endParaRPr>
+          </a:p>
+        </p:txBody>
+      </p:sp>
     </p:spTree>
   </p:cSld>
   <p:clrMapOvr>
@@ -5105,13 +5306,7 @@
       </p:grpSpPr>
       <p:pic>
         <p:nvPicPr>
-          <p:cNvPr id="13" name="图片 3">
-            <a:extLst>
-              <a:ext uri="{FF2B5EF4-FFF2-40B4-BE49-F238E27FC236}">
-                <a16:creationId xmlns:a16="http://schemas.microsoft.com/office/drawing/2014/main" id="{6BA34548-B006-4719-BE7A-09016D53624A}"/>
-              </a:ext>
-            </a:extLst>
-          </p:cNvPr>
+          <p:cNvPr id="3074" name="图片 3" descr="1123PPT标题框-11"/>
           <p:cNvPicPr>
             <a:picLocks noChangeAspect="1" noChangeArrowheads="1"/>
           </p:cNvPicPr>
@@ -5125,14 +5320,15 @@
               </a:ext>
             </a:extLst>
           </a:blip>
+          <a:srcRect/>
           <a:stretch>
             <a:fillRect/>
           </a:stretch>
         </p:blipFill>
         <p:spPr bwMode="auto">
           <a:xfrm>
-            <a:off x="0" y="-9433"/>
-            <a:ext cx="9129713" cy="1053916"/>
+            <a:off x="0" y="-9525"/>
+            <a:ext cx="9129713" cy="1054100"/>
           </a:xfrm>
           <a:prstGeom prst="rect">
             <a:avLst/>
@@ -5957,13 +6153,7 @@
       </p:grpSpPr>
       <p:pic>
         <p:nvPicPr>
-          <p:cNvPr id="9" name="图片 3">
-            <a:extLst>
-              <a:ext uri="{FF2B5EF4-FFF2-40B4-BE49-F238E27FC236}">
-                <a16:creationId xmlns:a16="http://schemas.microsoft.com/office/drawing/2014/main" id="{E04F9ED6-A0A7-4669-90B8-9C03038B699B}"/>
-              </a:ext>
-            </a:extLst>
-          </p:cNvPr>
+          <p:cNvPr id="3074" name="图片 3" descr="1123PPT标题框-11"/>
           <p:cNvPicPr>
             <a:picLocks noChangeAspect="1" noChangeArrowheads="1"/>
           </p:cNvPicPr>
@@ -5977,14 +6167,15 @@
               </a:ext>
             </a:extLst>
           </a:blip>
+          <a:srcRect/>
           <a:stretch>
             <a:fillRect/>
           </a:stretch>
         </p:blipFill>
         <p:spPr bwMode="auto">
           <a:xfrm>
-            <a:off x="0" y="-9433"/>
-            <a:ext cx="9129713" cy="1053916"/>
+            <a:off x="0" y="-9525"/>
+            <a:ext cx="9129713" cy="1054100"/>
           </a:xfrm>
           <a:prstGeom prst="rect">
             <a:avLst/>
@@ -7077,13 +7268,7 @@
       </p:grpSpPr>
       <p:pic>
         <p:nvPicPr>
-          <p:cNvPr id="12" name="图片 3">
-            <a:extLst>
-              <a:ext uri="{FF2B5EF4-FFF2-40B4-BE49-F238E27FC236}">
-                <a16:creationId xmlns:a16="http://schemas.microsoft.com/office/drawing/2014/main" id="{C87D73F1-173D-4502-87E6-7FAFF7AD4ED9}"/>
-              </a:ext>
-            </a:extLst>
-          </p:cNvPr>
+          <p:cNvPr id="3074" name="图片 3" descr="1123PPT标题框-11"/>
           <p:cNvPicPr>
             <a:picLocks noChangeAspect="1" noChangeArrowheads="1"/>
           </p:cNvPicPr>
@@ -7097,14 +7282,15 @@
               </a:ext>
             </a:extLst>
           </a:blip>
+          <a:srcRect/>
           <a:stretch>
             <a:fillRect/>
           </a:stretch>
         </p:blipFill>
         <p:spPr bwMode="auto">
           <a:xfrm>
-            <a:off x="0" y="-9433"/>
-            <a:ext cx="9129713" cy="1053916"/>
+            <a:off x="0" y="-9525"/>
+            <a:ext cx="9129713" cy="1054100"/>
           </a:xfrm>
           <a:prstGeom prst="rect">
             <a:avLst/>
@@ -7843,13 +8029,7 @@
       </p:grpSpPr>
       <p:pic>
         <p:nvPicPr>
-          <p:cNvPr id="8" name="图片 3">
-            <a:extLst>
-              <a:ext uri="{FF2B5EF4-FFF2-40B4-BE49-F238E27FC236}">
-                <a16:creationId xmlns:a16="http://schemas.microsoft.com/office/drawing/2014/main" id="{86CF4319-1A6D-424F-AC40-3EBF505DB59D}"/>
-              </a:ext>
-            </a:extLst>
-          </p:cNvPr>
+          <p:cNvPr id="3074" name="图片 3" descr="1123PPT标题框-11"/>
           <p:cNvPicPr>
             <a:picLocks noChangeAspect="1" noChangeArrowheads="1"/>
           </p:cNvPicPr>
@@ -7863,14 +8043,15 @@
               </a:ext>
             </a:extLst>
           </a:blip>
+          <a:srcRect/>
           <a:stretch>
             <a:fillRect/>
           </a:stretch>
         </p:blipFill>
         <p:spPr bwMode="auto">
           <a:xfrm>
-            <a:off x="0" y="-9433"/>
-            <a:ext cx="9129713" cy="1053916"/>
+            <a:off x="0" y="-9525"/>
+            <a:ext cx="9129713" cy="1054100"/>
           </a:xfrm>
           <a:prstGeom prst="rect">
             <a:avLst/>
@@ -8629,13 +8810,7 @@
       </p:grpSpPr>
       <p:pic>
         <p:nvPicPr>
-          <p:cNvPr id="8" name="图片 3">
-            <a:extLst>
-              <a:ext uri="{FF2B5EF4-FFF2-40B4-BE49-F238E27FC236}">
-                <a16:creationId xmlns:a16="http://schemas.microsoft.com/office/drawing/2014/main" id="{2F2DE2DB-5643-43C3-9C03-DE709A265718}"/>
-              </a:ext>
-            </a:extLst>
-          </p:cNvPr>
+          <p:cNvPr id="3074" name="图片 3" descr="1123PPT标题框-11"/>
           <p:cNvPicPr>
             <a:picLocks noChangeAspect="1" noChangeArrowheads="1"/>
           </p:cNvPicPr>
@@ -8649,14 +8824,15 @@
               </a:ext>
             </a:extLst>
           </a:blip>
+          <a:srcRect/>
           <a:stretch>
             <a:fillRect/>
           </a:stretch>
         </p:blipFill>
         <p:spPr bwMode="auto">
           <a:xfrm>
-            <a:off x="0" y="-9433"/>
-            <a:ext cx="9129713" cy="1053916"/>
+            <a:off x="0" y="-9525"/>
+            <a:ext cx="9129713" cy="1054100"/>
           </a:xfrm>
           <a:prstGeom prst="rect">
             <a:avLst/>
@@ -9564,13 +9740,7 @@
       </p:grpSpPr>
       <p:pic>
         <p:nvPicPr>
-          <p:cNvPr id="7" name="图片 3">
-            <a:extLst>
-              <a:ext uri="{FF2B5EF4-FFF2-40B4-BE49-F238E27FC236}">
-                <a16:creationId xmlns:a16="http://schemas.microsoft.com/office/drawing/2014/main" id="{0F562398-58B9-4265-B8AA-E15226F331BC}"/>
-              </a:ext>
-            </a:extLst>
-          </p:cNvPr>
+          <p:cNvPr id="3074" name="图片 3" descr="1123PPT标题框-11"/>
           <p:cNvPicPr>
             <a:picLocks noChangeAspect="1" noChangeArrowheads="1"/>
           </p:cNvPicPr>
@@ -9584,14 +9754,15 @@
               </a:ext>
             </a:extLst>
           </a:blip>
+          <a:srcRect/>
           <a:stretch>
             <a:fillRect/>
           </a:stretch>
         </p:blipFill>
         <p:spPr bwMode="auto">
           <a:xfrm>
-            <a:off x="0" y="-9433"/>
-            <a:ext cx="9129713" cy="1053916"/>
+            <a:off x="0" y="-9525"/>
+            <a:ext cx="9129713" cy="1054100"/>
           </a:xfrm>
           <a:prstGeom prst="rect">
             <a:avLst/>
@@ -10402,13 +10573,7 @@
       </p:grpSpPr>
       <p:pic>
         <p:nvPicPr>
-          <p:cNvPr id="37" name="图片 3">
-            <a:extLst>
-              <a:ext uri="{FF2B5EF4-FFF2-40B4-BE49-F238E27FC236}">
-                <a16:creationId xmlns:a16="http://schemas.microsoft.com/office/drawing/2014/main" id="{E4C7143B-0682-4FDB-8529-10281F070969}"/>
-              </a:ext>
-            </a:extLst>
-          </p:cNvPr>
+          <p:cNvPr id="11266" name="图片 3" descr="1123PPT标题框-11"/>
           <p:cNvPicPr>
             <a:picLocks noChangeAspect="1" noChangeArrowheads="1"/>
           </p:cNvPicPr>
@@ -10422,14 +10587,15 @@
               </a:ext>
             </a:extLst>
           </a:blip>
+          <a:srcRect/>
           <a:stretch>
             <a:fillRect/>
           </a:stretch>
         </p:blipFill>
         <p:spPr bwMode="auto">
           <a:xfrm>
-            <a:off x="0" y="-9433"/>
-            <a:ext cx="9129713" cy="1053916"/>
+            <a:off x="0" y="-9525"/>
+            <a:ext cx="9129713" cy="1054100"/>
           </a:xfrm>
           <a:prstGeom prst="rect">
             <a:avLst/>
@@ -13018,12 +13184,216 @@
                   <a:ea typeface="微软雅黑" pitchFamily="34" charset="-122"/>
                   <a:cs typeface="宋体" pitchFamily="2" charset="-122"/>
                 </a:rPr>
-                <a:t>firestm32.taobao.com</a:t>
+                <a:t>fire-stm32.taobao.com</a:t>
               </a:r>
             </a:p>
           </p:txBody>
         </p:sp>
       </p:grpSp>
+      <p:pic>
+        <p:nvPicPr>
+          <p:cNvPr id="1026" name="Picture 2" descr="C:\Users\Administrator\Desktop\taobao.png"/>
+          <p:cNvPicPr>
+            <a:picLocks noChangeAspect="1" noChangeArrowheads="1"/>
+          </p:cNvPicPr>
+          <p:nvPr/>
+        </p:nvPicPr>
+        <p:blipFill>
+          <a:blip r:embed="rId11" cstate="print">
+            <a:extLst>
+              <a:ext uri="{28A0092B-C50C-407E-A947-70E740481C1C}">
+                <a14:useLocalDpi xmlns:a14="http://schemas.microsoft.com/office/drawing/2010/main" val="0"/>
+              </a:ext>
+            </a:extLst>
+          </a:blip>
+          <a:srcRect/>
+          <a:stretch>
+            <a:fillRect/>
+          </a:stretch>
+        </p:blipFill>
+        <p:spPr bwMode="auto">
+          <a:xfrm>
+            <a:off x="6958013" y="4537670"/>
+            <a:ext cx="1038186" cy="1038186"/>
+          </a:xfrm>
+          <a:prstGeom prst="rect">
+            <a:avLst/>
+          </a:prstGeom>
+          <a:noFill/>
+          <a:extLst>
+            <a:ext uri="{909E8E84-426E-40DD-AFC4-6F175D3DCCD1}">
+              <a14:hiddenFill xmlns:a14="http://schemas.microsoft.com/office/drawing/2010/main">
+                <a:solidFill>
+                  <a:srgbClr val="FFFFFF"/>
+                </a:solidFill>
+              </a14:hiddenFill>
+            </a:ext>
+          </a:extLst>
+        </p:spPr>
+      </p:pic>
+      <p:sp>
+        <p:nvSpPr>
+          <p:cNvPr id="40" name="文本框 3"/>
+          <p:cNvSpPr txBox="1">
+            <a:spLocks noChangeArrowheads="1"/>
+          </p:cNvSpPr>
+          <p:nvPr/>
+        </p:nvSpPr>
+        <p:spPr bwMode="auto">
+          <a:xfrm>
+            <a:off x="6765938" y="5661248"/>
+            <a:ext cx="1406462" cy="276999"/>
+          </a:xfrm>
+          <a:prstGeom prst="rect">
+            <a:avLst/>
+          </a:prstGeom>
+          <a:noFill/>
+          <a:ln w="9525">
+            <a:noFill/>
+            <a:miter lim="800000"/>
+            <a:headEnd/>
+            <a:tailEnd/>
+          </a:ln>
+          <a:extLst>
+            <a:ext uri="{909E8E84-426E-40DD-AFC4-6F175D3DCCD1}">
+              <a14:hiddenFill xmlns:a14="http://schemas.microsoft.com/office/drawing/2010/main">
+                <a:solidFill>
+                  <a:srgbClr val="FFFFFF"/>
+                </a:solidFill>
+              </a14:hiddenFill>
+            </a:ext>
+          </a:extLst>
+        </p:spPr>
+        <p:txBody>
+          <a:bodyPr wrap="square">
+            <a:spAutoFit/>
+          </a:bodyPr>
+          <a:lstStyle>
+            <a:lvl1pPr eaLnBrk="0" hangingPunct="0">
+              <a:defRPr>
+                <a:solidFill>
+                  <a:schemeClr val="tx1"/>
+                </a:solidFill>
+                <a:latin typeface="Arial" charset="0"/>
+                <a:ea typeface="宋体" pitchFamily="2" charset="-122"/>
+              </a:defRPr>
+            </a:lvl1pPr>
+            <a:lvl2pPr marL="742950" indent="-285750" eaLnBrk="0" hangingPunct="0">
+              <a:defRPr>
+                <a:solidFill>
+                  <a:schemeClr val="tx1"/>
+                </a:solidFill>
+                <a:latin typeface="Arial" charset="0"/>
+                <a:ea typeface="宋体" pitchFamily="2" charset="-122"/>
+              </a:defRPr>
+            </a:lvl2pPr>
+            <a:lvl3pPr marL="1143000" indent="-228600" eaLnBrk="0" hangingPunct="0">
+              <a:defRPr>
+                <a:solidFill>
+                  <a:schemeClr val="tx1"/>
+                </a:solidFill>
+                <a:latin typeface="Arial" charset="0"/>
+                <a:ea typeface="宋体" pitchFamily="2" charset="-122"/>
+              </a:defRPr>
+            </a:lvl3pPr>
+            <a:lvl4pPr marL="1600200" indent="-228600" eaLnBrk="0" hangingPunct="0">
+              <a:defRPr>
+                <a:solidFill>
+                  <a:schemeClr val="tx1"/>
+                </a:solidFill>
+                <a:latin typeface="Arial" charset="0"/>
+                <a:ea typeface="宋体" pitchFamily="2" charset="-122"/>
+              </a:defRPr>
+            </a:lvl4pPr>
+            <a:lvl5pPr marL="2057400" indent="-228600" eaLnBrk="0" hangingPunct="0">
+              <a:defRPr>
+                <a:solidFill>
+                  <a:schemeClr val="tx1"/>
+                </a:solidFill>
+                <a:latin typeface="Arial" charset="0"/>
+                <a:ea typeface="宋体" pitchFamily="2" charset="-122"/>
+              </a:defRPr>
+            </a:lvl5pPr>
+            <a:lvl6pPr marL="2514600" indent="-228600" eaLnBrk="0" fontAlgn="base" hangingPunct="0">
+              <a:spcBef>
+                <a:spcPct val="0"/>
+              </a:spcBef>
+              <a:spcAft>
+                <a:spcPct val="0"/>
+              </a:spcAft>
+              <a:buFont typeface="Arial" charset="0"/>
+              <a:defRPr>
+                <a:solidFill>
+                  <a:schemeClr val="tx1"/>
+                </a:solidFill>
+                <a:latin typeface="Arial" charset="0"/>
+                <a:ea typeface="宋体" pitchFamily="2" charset="-122"/>
+              </a:defRPr>
+            </a:lvl6pPr>
+            <a:lvl7pPr marL="2971800" indent="-228600" eaLnBrk="0" fontAlgn="base" hangingPunct="0">
+              <a:spcBef>
+                <a:spcPct val="0"/>
+              </a:spcBef>
+              <a:spcAft>
+                <a:spcPct val="0"/>
+              </a:spcAft>
+              <a:buFont typeface="Arial" charset="0"/>
+              <a:defRPr>
+                <a:solidFill>
+                  <a:schemeClr val="tx1"/>
+                </a:solidFill>
+                <a:latin typeface="Arial" charset="0"/>
+                <a:ea typeface="宋体" pitchFamily="2" charset="-122"/>
+              </a:defRPr>
+            </a:lvl7pPr>
+            <a:lvl8pPr marL="3429000" indent="-228600" eaLnBrk="0" fontAlgn="base" hangingPunct="0">
+              <a:spcBef>
+                <a:spcPct val="0"/>
+              </a:spcBef>
+              <a:spcAft>
+                <a:spcPct val="0"/>
+              </a:spcAft>
+              <a:buFont typeface="Arial" charset="0"/>
+              <a:defRPr>
+                <a:solidFill>
+                  <a:schemeClr val="tx1"/>
+                </a:solidFill>
+                <a:latin typeface="Arial" charset="0"/>
+                <a:ea typeface="宋体" pitchFamily="2" charset="-122"/>
+              </a:defRPr>
+            </a:lvl8pPr>
+            <a:lvl9pPr marL="3886200" indent="-228600" eaLnBrk="0" fontAlgn="base" hangingPunct="0">
+              <a:spcBef>
+                <a:spcPct val="0"/>
+              </a:spcBef>
+              <a:spcAft>
+                <a:spcPct val="0"/>
+              </a:spcAft>
+              <a:buFont typeface="Arial" charset="0"/>
+              <a:defRPr>
+                <a:solidFill>
+                  <a:schemeClr val="tx1"/>
+                </a:solidFill>
+                <a:latin typeface="Arial" charset="0"/>
+                <a:ea typeface="宋体" pitchFamily="2" charset="-122"/>
+              </a:defRPr>
+            </a:lvl9pPr>
+          </a:lstStyle>
+          <a:p>
+            <a:r>
+              <a:rPr lang="zh-CN" altLang="en-US" sz="1200" b="1" dirty="0">
+                <a:latin typeface="微软雅黑" pitchFamily="34" charset="-122"/>
+                <a:ea typeface="微软雅黑" pitchFamily="34" charset="-122"/>
+              </a:rPr>
+              <a:t>扫描进入淘宝店铺</a:t>
+            </a:r>
+            <a:endParaRPr lang="zh-CN" altLang="zh-CN" sz="1200" b="1" dirty="0">
+              <a:latin typeface="微软雅黑" pitchFamily="34" charset="-122"/>
+              <a:ea typeface="微软雅黑" pitchFamily="34" charset="-122"/>
+            </a:endParaRPr>
+          </a:p>
+        </p:txBody>
+      </p:sp>
     </p:spTree>
   </p:cSld>
   <p:clrMapOvr>
